--- a/Проект_Корчагин_Питание детей.pptx
+++ b/Проект_Корчагин_Питание детей.pptx
@@ -3742,6 +3742,22 @@
               <a:rPr lang="ru-RU" dirty="0"/>
               <a:t>Корчагин А.Б.</a:t>
             </a:r>
+            <a:endParaRPr lang="en-US" dirty="0"/>
+          </a:p>
+          <a:p>
+            <a:r>
+              <a:rPr lang="en-US" dirty="0">
+                <a:hlinkClick r:id="rId2"/>
+              </a:rPr>
+              <a:t>https://github.com/Kortchagin/HeadBridge-Graduation-Project</a:t>
+            </a:r>
+            <a:r>
+              <a:rPr lang="ru-RU" dirty="0"/>
+              <a:t> </a:t>
+            </a:r>
+          </a:p>
+          <a:p>
+            <a:endParaRPr lang="ru-RU" dirty="0"/>
           </a:p>
         </p:txBody>
       </p:sp>
@@ -4057,7 +4073,7 @@
         <p:spPr>
           <a:xfrm>
             <a:off x="838200" y="18255"/>
-            <a:ext cx="10515600" cy="1325563"/>
+            <a:ext cx="10515600" cy="925833"/>
           </a:xfrm>
         </p:spPr>
         <p:txBody>
@@ -4074,81 +4090,6 @@
               <a:t>API</a:t>
             </a:r>
             <a:endParaRPr lang="ru-RU" dirty="0"/>
-          </a:p>
-        </p:txBody>
-      </p:sp>
-      <p:sp>
-        <p:nvSpPr>
-          <p:cNvPr id="3" name="Объект 2">
-            <a:extLst>
-              <a:ext uri="{FF2B5EF4-FFF2-40B4-BE49-F238E27FC236}">
-                <a16:creationId xmlns:a16="http://schemas.microsoft.com/office/drawing/2014/main" id="{8F27D00E-84A4-1A3E-A59F-F3D27B80607B}"/>
-              </a:ext>
-            </a:extLst>
-          </p:cNvPr>
-          <p:cNvSpPr>
-            <a:spLocks noGrp="1"/>
-          </p:cNvSpPr>
-          <p:nvPr>
-            <p:ph idx="1"/>
-          </p:nvPr>
-        </p:nvSpPr>
-        <p:spPr>
-          <a:xfrm>
-            <a:off x="320512" y="1253331"/>
-            <a:ext cx="4364610" cy="4351338"/>
-          </a:xfrm>
-        </p:spPr>
-        <p:txBody>
-          <a:bodyPr>
-            <a:normAutofit/>
-          </a:bodyPr>
-          <a:lstStyle/>
-          <a:p>
-            <a:pPr marL="0" indent="0">
-              <a:buNone/>
-            </a:pPr>
-            <a:r>
-              <a:rPr lang="ru-RU" sz="2400" dirty="0">
-                <a:effectLst/>
-                <a:latin typeface="Calibri" panose="020F0502020204030204" pitchFamily="34" charset="0"/>
-                <a:ea typeface="Calibri" panose="020F0502020204030204" pitchFamily="34" charset="0"/>
-              </a:rPr>
-              <a:t>См. </a:t>
-            </a:r>
-            <a:r>
-              <a:rPr lang="ru-RU" sz="2400" dirty="0" err="1">
-                <a:effectLst/>
-                <a:latin typeface="Calibri" panose="020F0502020204030204" pitchFamily="34" charset="0"/>
-                <a:ea typeface="Calibri" panose="020F0502020204030204" pitchFamily="34" charset="0"/>
-              </a:rPr>
-              <a:t>Проект_Корчагин_Питание</a:t>
-            </a:r>
-            <a:r>
-              <a:rPr lang="ru-RU" sz="2400" dirty="0">
-                <a:effectLst/>
-                <a:latin typeface="Calibri" panose="020F0502020204030204" pitchFamily="34" charset="0"/>
-                <a:ea typeface="Calibri" panose="020F0502020204030204" pitchFamily="34" charset="0"/>
-              </a:rPr>
-              <a:t> детей</a:t>
-            </a:r>
-            <a:r>
-              <a:rPr lang="en-US" sz="2400" dirty="0">
-                <a:effectLst/>
-                <a:latin typeface="Calibri" panose="020F0502020204030204" pitchFamily="34" charset="0"/>
-                <a:ea typeface="Calibri" panose="020F0502020204030204" pitchFamily="34" charset="0"/>
-              </a:rPr>
-              <a:t>.</a:t>
-            </a:r>
-            <a:r>
-              <a:rPr lang="en-US" sz="2400" dirty="0" err="1">
-                <a:effectLst/>
-                <a:latin typeface="Calibri" panose="020F0502020204030204" pitchFamily="34" charset="0"/>
-                <a:ea typeface="Calibri" panose="020F0502020204030204" pitchFamily="34" charset="0"/>
-              </a:rPr>
-              <a:t>yaml</a:t>
-            </a:r>
-            <a:endParaRPr lang="ru-RU" sz="2400" dirty="0"/>
           </a:p>
         </p:txBody>
       </p:sp>
@@ -4203,7 +4144,7 @@
         </p:blipFill>
         <p:spPr>
           <a:xfrm>
-            <a:off x="4805464" y="1097176"/>
+            <a:off x="2039802" y="761526"/>
             <a:ext cx="5826867" cy="5594824"/>
           </a:xfrm>
           <a:prstGeom prst="rect">
